--- a/django_ppt/pyweb_ppt/pybo 5장.  게시물 수정,삭제.pptx
+++ b/django_ppt/pyweb_ppt/pybo 5장.  게시물 수정,삭제.pptx
@@ -132,7 +132,7 @@
   </p:defaultTextStyle>
   <p:extLst>
     <p:ext uri="{EFAFB233-063F-42B5-8137-9DF3F51BA10A}">
-      <p15:sldGuideLst xmlns:p15="http://schemas.microsoft.com/office/powerpoint/2012/main" xmlns="">
+      <p15:sldGuideLst xmlns:p15="http://schemas.microsoft.com/office/powerpoint/2012/main">
         <p15:guide id="1" orient="horz" pos="2160">
           <p15:clr>
             <a:srgbClr val="A4A3A4"/>
@@ -231,7 +231,7 @@
           <a:p>
             <a:fld id="{7665CDAC-D627-4E87-877A-1B781DD4CADC}" type="datetimeFigureOut">
               <a:rPr lang="ko-KR" altLang="en-US" smtClean="0"/>
-              <a:t>2022-03-11</a:t>
+              <a:t>2023-06-21</a:t>
             </a:fld>
             <a:endParaRPr lang="ko-KR" altLang="en-US"/>
           </a:p>
@@ -643,7 +643,7 @@
           <a:p>
             <a:fld id="{C25BCFD5-C4DF-4EBC-B718-C69ED2FBDE6F}" type="datetime1">
               <a:rPr lang="ko-KR" altLang="en-US" smtClean="0"/>
-              <a:t>2022-03-11</a:t>
+              <a:t>2023-06-21</a:t>
             </a:fld>
             <a:endParaRPr lang="ko-KR" altLang="en-US"/>
           </a:p>
@@ -696,7 +696,7 @@
           <p:cNvPr id="9" name="직각 삼각형 2">
             <a:extLst>
               <a:ext uri="{FF2B5EF4-FFF2-40B4-BE49-F238E27FC236}">
-                <a16:creationId xmlns="" xmlns:a16="http://schemas.microsoft.com/office/drawing/2014/main" id="{3A714731-6D03-4E18-B8C6-D8E1F4F17412}"/>
+                <a16:creationId xmlns:a16="http://schemas.microsoft.com/office/drawing/2014/main" id="{3A714731-6D03-4E18-B8C6-D8E1F4F17412}"/>
               </a:ext>
             </a:extLst>
           </p:cNvPr>
@@ -812,7 +812,7 @@
           <p:cNvPr id="3" name="직각 삼각형 2">
             <a:extLst>
               <a:ext uri="{FF2B5EF4-FFF2-40B4-BE49-F238E27FC236}">
-                <a16:creationId xmlns="" xmlns:a16="http://schemas.microsoft.com/office/drawing/2014/main" id="{DF1B6BC0-8338-40DD-BF30-626E17AD387E}"/>
+                <a16:creationId xmlns:a16="http://schemas.microsoft.com/office/drawing/2014/main" id="{DF1B6BC0-8338-40DD-BF30-626E17AD387E}"/>
               </a:ext>
             </a:extLst>
           </p:cNvPr>
@@ -925,7 +925,7 @@
           <p:cNvPr id="2050" name="Picture 2" descr="íì´ì¬ â¢">
             <a:extLst>
               <a:ext uri="{FF2B5EF4-FFF2-40B4-BE49-F238E27FC236}">
-                <a16:creationId xmlns="" xmlns:a16="http://schemas.microsoft.com/office/drawing/2014/main" id="{8B696DBA-70BE-4EBC-8628-59B49C89E0D4}"/>
+                <a16:creationId xmlns:a16="http://schemas.microsoft.com/office/drawing/2014/main" id="{8B696DBA-70BE-4EBC-8628-59B49C89E0D4}"/>
               </a:ext>
             </a:extLst>
           </p:cNvPr>
@@ -1094,7 +1094,7 @@
           <a:p>
             <a:fld id="{AB448CD7-D367-43D5-B461-ACE552E75063}" type="datetime1">
               <a:rPr lang="ko-KR" altLang="en-US" smtClean="0"/>
-              <a:t>2022-03-11</a:t>
+              <a:t>2023-06-21</a:t>
             </a:fld>
             <a:endParaRPr lang="ko-KR" altLang="en-US"/>
           </a:p>
@@ -1272,7 +1272,7 @@
           <a:p>
             <a:fld id="{B6E49E79-7361-4780-8BEF-7EDE3708298A}" type="datetime1">
               <a:rPr lang="ko-KR" altLang="en-US" smtClean="0"/>
-              <a:t>2022-03-11</a:t>
+              <a:t>2023-06-21</a:t>
             </a:fld>
             <a:endParaRPr lang="ko-KR" altLang="en-US"/>
           </a:p>
@@ -1444,7 +1444,7 @@
           <a:p>
             <a:fld id="{A4D42E3C-B70B-437C-85CF-1286301B9CBA}" type="datetime1">
               <a:rPr lang="ko-KR" altLang="en-US" smtClean="0"/>
-              <a:t>2022-03-11</a:t>
+              <a:t>2023-06-21</a:t>
             </a:fld>
             <a:endParaRPr lang="ko-KR" altLang="en-US"/>
           </a:p>
@@ -1696,7 +1696,7 @@
           <a:p>
             <a:fld id="{B3369A20-5B3D-4D98-A822-26B93D177A40}" type="datetime1">
               <a:rPr lang="ko-KR" altLang="en-US" smtClean="0"/>
-              <a:t>2022-03-11</a:t>
+              <a:t>2023-06-21</a:t>
             </a:fld>
             <a:endParaRPr lang="ko-KR" altLang="en-US"/>
           </a:p>
@@ -1981,7 +1981,7 @@
           <a:p>
             <a:fld id="{685CD4CE-9E43-4F70-A9D8-A2130CA7D92A}" type="datetime1">
               <a:rPr lang="ko-KR" altLang="en-US" smtClean="0"/>
-              <a:t>2022-03-11</a:t>
+              <a:t>2023-06-21</a:t>
             </a:fld>
             <a:endParaRPr lang="ko-KR" altLang="en-US"/>
           </a:p>
@@ -2407,7 +2407,7 @@
           <a:p>
             <a:fld id="{F752BD92-DA3E-4A0B-90C9-7DE5E15B6E96}" type="datetime1">
               <a:rPr lang="ko-KR" altLang="en-US" smtClean="0"/>
-              <a:t>2022-03-11</a:t>
+              <a:t>2023-06-21</a:t>
             </a:fld>
             <a:endParaRPr lang="ko-KR" altLang="en-US"/>
           </a:p>
@@ -2531,7 +2531,7 @@
           <a:p>
             <a:fld id="{8EA2B83A-F366-424E-B742-340ACF856BB5}" type="datetime1">
               <a:rPr lang="ko-KR" altLang="en-US" smtClean="0"/>
-              <a:t>2022-03-11</a:t>
+              <a:t>2023-06-21</a:t>
             </a:fld>
             <a:endParaRPr lang="ko-KR" altLang="en-US"/>
           </a:p>
@@ -2626,7 +2626,7 @@
           <a:p>
             <a:fld id="{9A49D68B-5DBD-48E9-A8D4-FCBC4B3DD9C6}" type="datetime1">
               <a:rPr lang="ko-KR" altLang="en-US" smtClean="0"/>
-              <a:t>2022-03-11</a:t>
+              <a:t>2023-06-21</a:t>
             </a:fld>
             <a:endParaRPr lang="ko-KR" altLang="en-US"/>
           </a:p>
@@ -2901,7 +2901,7 @@
           <a:p>
             <a:fld id="{4CAB534F-7D16-467B-9320-91F98915D181}" type="datetime1">
               <a:rPr lang="ko-KR" altLang="en-US" smtClean="0"/>
-              <a:t>2022-03-11</a:t>
+              <a:t>2023-06-21</a:t>
             </a:fld>
             <a:endParaRPr lang="ko-KR" altLang="en-US"/>
           </a:p>
@@ -3153,7 +3153,7 @@
           <a:p>
             <a:fld id="{A390A91F-2F8D-4486-A69D-D680F95444B0}" type="datetime1">
               <a:rPr lang="ko-KR" altLang="en-US" smtClean="0"/>
-              <a:t>2022-03-11</a:t>
+              <a:t>2023-06-21</a:t>
             </a:fld>
             <a:endParaRPr lang="ko-KR" altLang="en-US"/>
           </a:p>
@@ -3332,7 +3332,7 @@
           <a:p>
             <a:fld id="{2238BBEA-E8DD-414A-BF68-FC2AFA7CFF2D}" type="datetime1">
               <a:rPr lang="ko-KR" altLang="en-US" smtClean="0"/>
-              <a:t>2022-03-11</a:t>
+              <a:t>2023-06-21</a:t>
             </a:fld>
             <a:endParaRPr lang="ko-KR" altLang="en-US"/>
           </a:p>
@@ -5218,59 +5218,9 @@
           </a:p>
         </p:txBody>
       </p:sp>
-      <p:sp>
-        <p:nvSpPr>
-          <p:cNvPr id="7" name="TextBox 6"/>
-          <p:cNvSpPr txBox="1"/>
-          <p:nvPr/>
-        </p:nvSpPr>
-        <p:spPr>
-          <a:xfrm>
-            <a:off x="1280592" y="1772816"/>
-            <a:ext cx="6480720" cy="369332"/>
-          </a:xfrm>
-          <a:prstGeom prst="rect">
-            <a:avLst/>
-          </a:prstGeom>
-          <a:noFill/>
-        </p:spPr>
-        <p:txBody>
-          <a:bodyPr wrap="square" rtlCol="0">
-            <a:spAutoFit/>
-          </a:bodyPr>
-          <a:lstStyle/>
-          <a:p>
-            <a:pPr marL="342900" indent="-342900">
-              <a:buFont typeface="+mj-lt"/>
-              <a:buAutoNum type="arabicPeriod"/>
-            </a:pPr>
-            <a:r>
-              <a:rPr lang="en-US" altLang="ko-KR" dirty="0" smtClean="0"/>
-              <a:t>base.html</a:t>
-            </a:r>
-            <a:r>
-              <a:rPr lang="ko-KR" altLang="en-US" dirty="0" smtClean="0"/>
-              <a:t>에 </a:t>
-            </a:r>
-            <a:r>
-              <a:rPr lang="en-US" altLang="ko-KR" dirty="0" err="1" smtClean="0"/>
-              <a:t>jquery</a:t>
-            </a:r>
-            <a:r>
-              <a:rPr lang="en-US" altLang="ko-KR" dirty="0" smtClean="0"/>
-              <a:t> </a:t>
-            </a:r>
-            <a:r>
-              <a:rPr lang="ko-KR" altLang="en-US" dirty="0" smtClean="0"/>
-              <a:t>라이브러리 사용하기 </a:t>
-            </a:r>
-            <a:endParaRPr lang="ko-KR" altLang="en-US" dirty="0"/>
-          </a:p>
-        </p:txBody>
-      </p:sp>
       <p:pic>
         <p:nvPicPr>
-          <p:cNvPr id="6" name="그림 5"/>
+          <p:cNvPr id="3" name="그림 2"/>
           <p:cNvPicPr>
             <a:picLocks noChangeAspect="1"/>
           </p:cNvPicPr>
@@ -5290,8 +5240,8 @@
         </p:blipFill>
         <p:spPr>
           <a:xfrm>
-            <a:off x="511589" y="2192452"/>
-            <a:ext cx="9121931" cy="4419983"/>
+            <a:off x="1113453" y="1802848"/>
+            <a:ext cx="7739980" cy="4656574"/>
           </a:xfrm>
           <a:prstGeom prst="rect">
             <a:avLst/>
@@ -5305,6 +5255,36 @@
           </a:ln>
         </p:spPr>
       </p:pic>
+      <p:sp>
+        <p:nvSpPr>
+          <p:cNvPr id="7" name="TextBox 6"/>
+          <p:cNvSpPr txBox="1"/>
+          <p:nvPr/>
+        </p:nvSpPr>
+        <p:spPr>
+          <a:xfrm>
+            <a:off x="7977336" y="3501008"/>
+            <a:ext cx="1368152" cy="369332"/>
+          </a:xfrm>
+          <a:prstGeom prst="rect">
+            <a:avLst/>
+          </a:prstGeom>
+          <a:noFill/>
+        </p:spPr>
+        <p:txBody>
+          <a:bodyPr wrap="square" rtlCol="0">
+            <a:spAutoFit/>
+          </a:bodyPr>
+          <a:lstStyle/>
+          <a:p>
+            <a:r>
+              <a:rPr lang="en-US" altLang="ko-KR" dirty="0" smtClean="0"/>
+              <a:t>base.html</a:t>
+            </a:r>
+            <a:endParaRPr lang="ko-KR" altLang="en-US" dirty="0"/>
+          </a:p>
+        </p:txBody>
+      </p:sp>
     </p:spTree>
     <p:extLst>
       <p:ext uri="{BB962C8B-B14F-4D97-AF65-F5344CB8AC3E}">
@@ -5572,7 +5552,7 @@
           <p:cNvPr id="9" name="TextBox 8">
             <a:extLst>
               <a:ext uri="{FF2B5EF4-FFF2-40B4-BE49-F238E27FC236}">
-                <a16:creationId xmlns:a16="http://schemas.microsoft.com/office/drawing/2014/main" xmlns="" id="{D46DD618-61E0-4F40-B204-242CFAF546A3}"/>
+                <a16:creationId xmlns:a16="http://schemas.microsoft.com/office/drawing/2014/main" id="{D46DD618-61E0-4F40-B204-242CFAF546A3}"/>
               </a:ext>
             </a:extLst>
           </p:cNvPr>
@@ -5617,7 +5597,7 @@
           <p:cNvPr id="10" name="TextBox 9">
             <a:extLst>
               <a:ext uri="{FF2B5EF4-FFF2-40B4-BE49-F238E27FC236}">
-                <a16:creationId xmlns:a16="http://schemas.microsoft.com/office/drawing/2014/main" xmlns="" id="{D46DD618-61E0-4F40-B204-242CFAF546A3}"/>
+                <a16:creationId xmlns:a16="http://schemas.microsoft.com/office/drawing/2014/main" id="{D46DD618-61E0-4F40-B204-242CFAF546A3}"/>
               </a:ext>
             </a:extLst>
           </p:cNvPr>
@@ -8127,7 +8107,7 @@
       </p:sp>
       <p:pic>
         <p:nvPicPr>
-          <p:cNvPr id="5" name="그림 4"/>
+          <p:cNvPr id="6" name="그림 5"/>
           <p:cNvPicPr>
             <a:picLocks noChangeAspect="1"/>
           </p:cNvPicPr>
@@ -8147,8 +8127,8 @@
         </p:blipFill>
         <p:spPr>
           <a:xfrm>
-            <a:off x="1271194" y="1856776"/>
-            <a:ext cx="7213394" cy="4294486"/>
+            <a:off x="776536" y="2060848"/>
+            <a:ext cx="8481392" cy="3794604"/>
           </a:xfrm>
           <a:prstGeom prst="rect">
             <a:avLst/>
@@ -8323,7 +8303,7 @@
       </p:sp>
       <p:pic>
         <p:nvPicPr>
-          <p:cNvPr id="5" name="그림 4"/>
+          <p:cNvPr id="7" name="그림 6"/>
           <p:cNvPicPr>
             <a:picLocks noChangeAspect="1"/>
           </p:cNvPicPr>
@@ -8343,8 +8323,8 @@
         </p:blipFill>
         <p:spPr>
           <a:xfrm>
-            <a:off x="1712639" y="1844824"/>
-            <a:ext cx="5989839" cy="4381880"/>
+            <a:off x="1072739" y="1916832"/>
+            <a:ext cx="7780694" cy="4404742"/>
           </a:xfrm>
           <a:prstGeom prst="rect">
             <a:avLst/>
@@ -8523,7 +8503,7 @@
       </p:sp>
       <p:pic>
         <p:nvPicPr>
-          <p:cNvPr id="6" name="그림 5"/>
+          <p:cNvPr id="7" name="그림 6"/>
           <p:cNvPicPr>
             <a:picLocks noChangeAspect="1"/>
           </p:cNvPicPr>
@@ -8543,8 +8523,8 @@
         </p:blipFill>
         <p:spPr>
           <a:xfrm>
-            <a:off x="1686612" y="1888638"/>
-            <a:ext cx="6172735" cy="4359018"/>
+            <a:off x="1136576" y="1844824"/>
+            <a:ext cx="7521592" cy="4442845"/>
           </a:xfrm>
           <a:prstGeom prst="rect">
             <a:avLst/>
@@ -9474,60 +9454,36 @@
               </a:lnSpc>
             </a:pPr>
             <a:r>
+              <a:rPr lang="en-US" altLang="ko-KR" dirty="0">
+                <a:latin typeface="Ebrima" panose="02000000000000000000" pitchFamily="2" charset="0"/>
+                <a:ea typeface="Ebrima" panose="02000000000000000000" pitchFamily="2" charset="0"/>
+                <a:cs typeface="Ebrima" panose="02000000000000000000" pitchFamily="2" charset="0"/>
+              </a:rPr>
+              <a:t>(</a:t>
+            </a:r>
+            <a:r>
+              <a:rPr lang="en-US" altLang="ko-KR" dirty="0" err="1">
+                <a:latin typeface="Ebrima" panose="02000000000000000000" pitchFamily="2" charset="0"/>
+                <a:ea typeface="Ebrima" panose="02000000000000000000" pitchFamily="2" charset="0"/>
+                <a:cs typeface="Ebrima" panose="02000000000000000000" pitchFamily="2" charset="0"/>
+              </a:rPr>
+              <a:t>myvenv</a:t>
+            </a:r>
+            <a:r>
+              <a:rPr lang="en-US" altLang="ko-KR" dirty="0">
+                <a:latin typeface="Ebrima" panose="02000000000000000000" pitchFamily="2" charset="0"/>
+                <a:ea typeface="Ebrima" panose="02000000000000000000" pitchFamily="2" charset="0"/>
+                <a:cs typeface="Ebrima" panose="02000000000000000000" pitchFamily="2" charset="0"/>
+              </a:rPr>
+              <a:t>) C:\mypyweb\pyweb&gt;python  </a:t>
+            </a:r>
+            <a:r>
               <a:rPr lang="en-US" altLang="ko-KR" dirty="0" smtClean="0">
                 <a:latin typeface="Ebrima" panose="02000000000000000000" pitchFamily="2" charset="0"/>
                 <a:ea typeface="Ebrima" panose="02000000000000000000" pitchFamily="2" charset="0"/>
                 <a:cs typeface="Ebrima" panose="02000000000000000000" pitchFamily="2" charset="0"/>
               </a:rPr>
-              <a:t>(</a:t>
-            </a:r>
-            <a:r>
-              <a:rPr lang="en-US" altLang="ko-KR" dirty="0" err="1" smtClean="0">
-                <a:latin typeface="Ebrima" panose="02000000000000000000" pitchFamily="2" charset="0"/>
-                <a:ea typeface="Ebrima" panose="02000000000000000000" pitchFamily="2" charset="0"/>
-                <a:cs typeface="Ebrima" panose="02000000000000000000" pitchFamily="2" charset="0"/>
-              </a:rPr>
-              <a:t>mysite</a:t>
-            </a:r>
-            <a:r>
-              <a:rPr lang="en-US" altLang="ko-KR" dirty="0" smtClean="0">
-                <a:latin typeface="Ebrima" panose="02000000000000000000" pitchFamily="2" charset="0"/>
-                <a:ea typeface="Ebrima" panose="02000000000000000000" pitchFamily="2" charset="0"/>
-                <a:cs typeface="Ebrima" panose="02000000000000000000" pitchFamily="2" charset="0"/>
-              </a:rPr>
-              <a:t>)C:\</a:t>
-            </a:r>
-            <a:r>
-              <a:rPr lang="en-US" altLang="ko-KR" dirty="0" err="1" smtClean="0">
-                <a:latin typeface="Ebrima" panose="02000000000000000000" pitchFamily="2" charset="0"/>
-                <a:ea typeface="Ebrima" panose="02000000000000000000" pitchFamily="2" charset="0"/>
-                <a:cs typeface="Ebrima" panose="02000000000000000000" pitchFamily="2" charset="0"/>
-              </a:rPr>
-              <a:t>webproject</a:t>
-            </a:r>
-            <a:r>
-              <a:rPr lang="en-US" altLang="ko-KR" dirty="0" smtClean="0">
-                <a:latin typeface="Ebrima" panose="02000000000000000000" pitchFamily="2" charset="0"/>
-                <a:ea typeface="Ebrima" panose="02000000000000000000" pitchFamily="2" charset="0"/>
-                <a:cs typeface="Ebrima" panose="02000000000000000000" pitchFamily="2" charset="0"/>
-              </a:rPr>
-              <a:t>\</a:t>
-            </a:r>
-            <a:r>
-              <a:rPr lang="en-US" altLang="ko-KR" dirty="0" err="1" smtClean="0">
-                <a:latin typeface="Ebrima" panose="02000000000000000000" pitchFamily="2" charset="0"/>
-                <a:ea typeface="Ebrima" panose="02000000000000000000" pitchFamily="2" charset="0"/>
-                <a:cs typeface="Ebrima" panose="02000000000000000000" pitchFamily="2" charset="0"/>
-              </a:rPr>
-              <a:t>mysite</a:t>
-            </a:r>
-            <a:r>
-              <a:rPr lang="en-US" altLang="ko-KR" dirty="0" smtClean="0">
-                <a:latin typeface="Ebrima" panose="02000000000000000000" pitchFamily="2" charset="0"/>
-                <a:ea typeface="Ebrima" panose="02000000000000000000" pitchFamily="2" charset="0"/>
-                <a:cs typeface="Ebrima" panose="02000000000000000000" pitchFamily="2" charset="0"/>
-              </a:rPr>
-              <a:t>&gt;python  manage.py  </a:t>
+              <a:t>manage.py  </a:t>
             </a:r>
             <a:r>
               <a:rPr lang="en-US" altLang="ko-KR" dirty="0" err="1" smtClean="0">
@@ -9550,7 +9506,7 @@
               </a:lnSpc>
             </a:pPr>
             <a:r>
-              <a:rPr lang="en-US" altLang="ko-KR" dirty="0" smtClean="0">
+              <a:rPr lang="en-US" altLang="ko-KR" dirty="0">
                 <a:latin typeface="Ebrima" panose="02000000000000000000" pitchFamily="2" charset="0"/>
                 <a:ea typeface="Ebrima" panose="02000000000000000000" pitchFamily="2" charset="0"/>
                 <a:cs typeface="Ebrima" panose="02000000000000000000" pitchFamily="2" charset="0"/>
@@ -9563,7 +9519,7 @@
                 <a:ea typeface="Ebrima" panose="02000000000000000000" pitchFamily="2" charset="0"/>
                 <a:cs typeface="Ebrima" panose="02000000000000000000" pitchFamily="2" charset="0"/>
               </a:rPr>
-              <a:t>mysite</a:t>
+              <a:t>myvenv</a:t>
             </a:r>
             <a:r>
               <a:rPr lang="en-US" altLang="ko-KR" dirty="0">
@@ -9571,15 +9527,7 @@
                 <a:ea typeface="Ebrima" panose="02000000000000000000" pitchFamily="2" charset="0"/>
                 <a:cs typeface="Ebrima" panose="02000000000000000000" pitchFamily="2" charset="0"/>
               </a:rPr>
-              <a:t>)C:\</a:t>
-            </a:r>
-            <a:r>
-              <a:rPr lang="en-US" altLang="ko-KR" dirty="0" err="1">
-                <a:latin typeface="Ebrima" panose="02000000000000000000" pitchFamily="2" charset="0"/>
-                <a:ea typeface="Ebrima" panose="02000000000000000000" pitchFamily="2" charset="0"/>
-                <a:cs typeface="Ebrima" panose="02000000000000000000" pitchFamily="2" charset="0"/>
-              </a:rPr>
-              <a:t>webproject</a:t>
+              <a:t>) C:\mypyweb\pyweb&gt;python  </a:t>
             </a:r>
             <a:r>
               <a:rPr lang="en-US" altLang="ko-KR" dirty="0">
@@ -9587,23 +9535,7 @@
                 <a:ea typeface="Ebrima" panose="02000000000000000000" pitchFamily="2" charset="0"/>
                 <a:cs typeface="Ebrima" panose="02000000000000000000" pitchFamily="2" charset="0"/>
               </a:rPr>
-              <a:t>\</a:t>
-            </a:r>
-            <a:r>
-              <a:rPr lang="en-US" altLang="ko-KR" dirty="0" err="1">
-                <a:latin typeface="Ebrima" panose="02000000000000000000" pitchFamily="2" charset="0"/>
-                <a:ea typeface="Ebrima" panose="02000000000000000000" pitchFamily="2" charset="0"/>
-                <a:cs typeface="Ebrima" panose="02000000000000000000" pitchFamily="2" charset="0"/>
-              </a:rPr>
-              <a:t>mysite</a:t>
-            </a:r>
-            <a:r>
-              <a:rPr lang="en-US" altLang="ko-KR" dirty="0">
-                <a:latin typeface="Ebrima" panose="02000000000000000000" pitchFamily="2" charset="0"/>
-                <a:ea typeface="Ebrima" panose="02000000000000000000" pitchFamily="2" charset="0"/>
-                <a:cs typeface="Ebrima" panose="02000000000000000000" pitchFamily="2" charset="0"/>
-              </a:rPr>
-              <a:t>&gt;python  manage.py  </a:t>
+              <a:t>manage.py  </a:t>
             </a:r>
             <a:r>
               <a:rPr lang="en-US" altLang="ko-KR" dirty="0" smtClean="0">
